--- a/2014-03-05/useful-practices.pptx
+++ b/2014-03-05/useful-practices.pptx
@@ -302,7 +302,7 @@
           <a:p>
             <a:fld id="{6BFECD78-3C8E-49F2-8FAB-59489D168ABB}" type="datetimeFigureOut">
               <a:rPr lang="en-US" smtClean="0"/>
-              <a:t>3/6/14</a:t>
+              <a:t>3/10/14</a:t>
             </a:fld>
             <a:endParaRPr lang="en-US"/>
           </a:p>
@@ -472,7 +472,7 @@
           <a:p>
             <a:fld id="{6BFECD78-3C8E-49F2-8FAB-59489D168ABB}" type="datetimeFigureOut">
               <a:rPr lang="en-US" smtClean="0"/>
-              <a:t>3/6/14</a:t>
+              <a:t>3/10/14</a:t>
             </a:fld>
             <a:endParaRPr lang="en-US"/>
           </a:p>
@@ -652,7 +652,7 @@
           <a:p>
             <a:fld id="{6BFECD78-3C8E-49F2-8FAB-59489D168ABB}" type="datetimeFigureOut">
               <a:rPr lang="en-US" smtClean="0"/>
-              <a:t>3/6/14</a:t>
+              <a:t>3/10/14</a:t>
             </a:fld>
             <a:endParaRPr lang="en-US"/>
           </a:p>
@@ -822,7 +822,7 @@
           <a:p>
             <a:fld id="{6BFECD78-3C8E-49F2-8FAB-59489D168ABB}" type="datetimeFigureOut">
               <a:rPr lang="en-US" smtClean="0"/>
-              <a:t>3/6/14</a:t>
+              <a:t>3/10/14</a:t>
             </a:fld>
             <a:endParaRPr lang="en-US"/>
           </a:p>
@@ -1068,7 +1068,7 @@
           <a:p>
             <a:fld id="{6BFECD78-3C8E-49F2-8FAB-59489D168ABB}" type="datetimeFigureOut">
               <a:rPr lang="en-US" smtClean="0"/>
-              <a:t>3/6/14</a:t>
+              <a:t>3/10/14</a:t>
             </a:fld>
             <a:endParaRPr lang="en-US"/>
           </a:p>
@@ -1356,7 +1356,7 @@
           <a:p>
             <a:fld id="{6BFECD78-3C8E-49F2-8FAB-59489D168ABB}" type="datetimeFigureOut">
               <a:rPr lang="en-US" smtClean="0"/>
-              <a:t>3/6/14</a:t>
+              <a:t>3/10/14</a:t>
             </a:fld>
             <a:endParaRPr lang="en-US"/>
           </a:p>
@@ -1778,7 +1778,7 @@
           <a:p>
             <a:fld id="{6BFECD78-3C8E-49F2-8FAB-59489D168ABB}" type="datetimeFigureOut">
               <a:rPr lang="en-US" smtClean="0"/>
-              <a:t>3/6/14</a:t>
+              <a:t>3/10/14</a:t>
             </a:fld>
             <a:endParaRPr lang="en-US"/>
           </a:p>
@@ -1896,7 +1896,7 @@
           <a:p>
             <a:fld id="{6BFECD78-3C8E-49F2-8FAB-59489D168ABB}" type="datetimeFigureOut">
               <a:rPr lang="en-US" smtClean="0"/>
-              <a:t>3/6/14</a:t>
+              <a:t>3/10/14</a:t>
             </a:fld>
             <a:endParaRPr lang="en-US"/>
           </a:p>
@@ -1991,7 +1991,7 @@
           <a:p>
             <a:fld id="{6BFECD78-3C8E-49F2-8FAB-59489D168ABB}" type="datetimeFigureOut">
               <a:rPr lang="en-US" smtClean="0"/>
-              <a:t>3/6/14</a:t>
+              <a:t>3/10/14</a:t>
             </a:fld>
             <a:endParaRPr lang="en-US"/>
           </a:p>
@@ -2268,7 +2268,7 @@
           <a:p>
             <a:fld id="{6BFECD78-3C8E-49F2-8FAB-59489D168ABB}" type="datetimeFigureOut">
               <a:rPr lang="en-US" smtClean="0"/>
-              <a:t>3/6/14</a:t>
+              <a:t>3/10/14</a:t>
             </a:fld>
             <a:endParaRPr lang="en-US"/>
           </a:p>
@@ -2525,7 +2525,7 @@
           <a:p>
             <a:fld id="{6BFECD78-3C8E-49F2-8FAB-59489D168ABB}" type="datetimeFigureOut">
               <a:rPr lang="en-US" smtClean="0"/>
-              <a:t>3/6/14</a:t>
+              <a:t>3/10/14</a:t>
             </a:fld>
             <a:endParaRPr lang="en-US"/>
           </a:p>
@@ -2738,7 +2738,7 @@
           <a:p>
             <a:fld id="{6BFECD78-3C8E-49F2-8FAB-59489D168ABB}" type="datetimeFigureOut">
               <a:rPr lang="en-US" smtClean="0"/>
-              <a:t>3/6/14</a:t>
+              <a:t>3/10/14</a:t>
             </a:fld>
             <a:endParaRPr lang="en-US"/>
           </a:p>
@@ -3146,7 +3146,12 @@
             <p:ph type="subTitle" idx="1"/>
           </p:nvPr>
         </p:nvSpPr>
-        <p:spPr/>
+        <p:spPr>
+          <a:xfrm>
+            <a:off x="1371600" y="3458092"/>
+            <a:ext cx="6400800" cy="1752600"/>
+          </a:xfrm>
+        </p:spPr>
         <p:txBody>
           <a:bodyPr/>
           <a:lstStyle/>
@@ -3170,6 +3175,36 @@
             <a:r>
               <a:rPr lang="en-US" dirty="0" smtClean="0"/>
               <a:t>Useful Practices”</a:t>
+            </a:r>
+            <a:endParaRPr lang="en-US" dirty="0"/>
+          </a:p>
+        </p:txBody>
+      </p:sp>
+      <p:sp>
+        <p:nvSpPr>
+          <p:cNvPr id="4" name="TextBox 3"/>
+          <p:cNvSpPr txBox="1"/>
+          <p:nvPr/>
+        </p:nvSpPr>
+        <p:spPr>
+          <a:xfrm>
+            <a:off x="3617976" y="4437731"/>
+            <a:ext cx="1585440" cy="369332"/>
+          </a:xfrm>
+          <a:prstGeom prst="rect">
+            <a:avLst/>
+          </a:prstGeom>
+          <a:noFill/>
+        </p:spPr>
+        <p:txBody>
+          <a:bodyPr wrap="none" rtlCol="0">
+            <a:spAutoFit/>
+          </a:bodyPr>
+          <a:lstStyle/>
+          <a:p>
+            <a:r>
+              <a:rPr lang="en-US" dirty="0" smtClean="0"/>
+              <a:t>Jeremy Hopple</a:t>
             </a:r>
             <a:endParaRPr lang="en-US" dirty="0"/>
           </a:p>
